--- a/02_block-element/block-element(다시).pptx
+++ b/02_block-element/block-element(다시).pptx
@@ -267,7 +267,7 @@
           <a:p>
             <a:fld id="{7E6FC753-6D73-4C91-8964-5A03B3DDE2B6}" type="datetimeFigureOut">
               <a:rPr lang="ko-KR" altLang="en-US" smtClean="0"/>
-              <a:t>2022-07-05</a:t>
+              <a:t>2022-07-06</a:t>
             </a:fld>
             <a:endParaRPr lang="ko-KR" altLang="en-US"/>
           </a:p>
@@ -437,7 +437,7 @@
           <a:p>
             <a:fld id="{7E6FC753-6D73-4C91-8964-5A03B3DDE2B6}" type="datetimeFigureOut">
               <a:rPr lang="ko-KR" altLang="en-US" smtClean="0"/>
-              <a:t>2022-07-05</a:t>
+              <a:t>2022-07-06</a:t>
             </a:fld>
             <a:endParaRPr lang="ko-KR" altLang="en-US"/>
           </a:p>
@@ -617,7 +617,7 @@
           <a:p>
             <a:fld id="{7E6FC753-6D73-4C91-8964-5A03B3DDE2B6}" type="datetimeFigureOut">
               <a:rPr lang="ko-KR" altLang="en-US" smtClean="0"/>
-              <a:t>2022-07-05</a:t>
+              <a:t>2022-07-06</a:t>
             </a:fld>
             <a:endParaRPr lang="ko-KR" altLang="en-US"/>
           </a:p>
@@ -787,7 +787,7 @@
           <a:p>
             <a:fld id="{7E6FC753-6D73-4C91-8964-5A03B3DDE2B6}" type="datetimeFigureOut">
               <a:rPr lang="ko-KR" altLang="en-US" smtClean="0"/>
-              <a:t>2022-07-05</a:t>
+              <a:t>2022-07-06</a:t>
             </a:fld>
             <a:endParaRPr lang="ko-KR" altLang="en-US"/>
           </a:p>
@@ -1033,7 +1033,7 @@
           <a:p>
             <a:fld id="{7E6FC753-6D73-4C91-8964-5A03B3DDE2B6}" type="datetimeFigureOut">
               <a:rPr lang="ko-KR" altLang="en-US" smtClean="0"/>
-              <a:t>2022-07-05</a:t>
+              <a:t>2022-07-06</a:t>
             </a:fld>
             <a:endParaRPr lang="ko-KR" altLang="en-US"/>
           </a:p>
@@ -1265,7 +1265,7 @@
           <a:p>
             <a:fld id="{7E6FC753-6D73-4C91-8964-5A03B3DDE2B6}" type="datetimeFigureOut">
               <a:rPr lang="ko-KR" altLang="en-US" smtClean="0"/>
-              <a:t>2022-07-05</a:t>
+              <a:t>2022-07-06</a:t>
             </a:fld>
             <a:endParaRPr lang="ko-KR" altLang="en-US"/>
           </a:p>
@@ -1632,7 +1632,7 @@
           <a:p>
             <a:fld id="{7E6FC753-6D73-4C91-8964-5A03B3DDE2B6}" type="datetimeFigureOut">
               <a:rPr lang="ko-KR" altLang="en-US" smtClean="0"/>
-              <a:t>2022-07-05</a:t>
+              <a:t>2022-07-06</a:t>
             </a:fld>
             <a:endParaRPr lang="ko-KR" altLang="en-US"/>
           </a:p>
@@ -1750,7 +1750,7 @@
           <a:p>
             <a:fld id="{7E6FC753-6D73-4C91-8964-5A03B3DDE2B6}" type="datetimeFigureOut">
               <a:rPr lang="ko-KR" altLang="en-US" smtClean="0"/>
-              <a:t>2022-07-05</a:t>
+              <a:t>2022-07-06</a:t>
             </a:fld>
             <a:endParaRPr lang="ko-KR" altLang="en-US"/>
           </a:p>
@@ -1845,7 +1845,7 @@
           <a:p>
             <a:fld id="{7E6FC753-6D73-4C91-8964-5A03B3DDE2B6}" type="datetimeFigureOut">
               <a:rPr lang="ko-KR" altLang="en-US" smtClean="0"/>
-              <a:t>2022-07-05</a:t>
+              <a:t>2022-07-06</a:t>
             </a:fld>
             <a:endParaRPr lang="ko-KR" altLang="en-US"/>
           </a:p>
@@ -2122,7 +2122,7 @@
           <a:p>
             <a:fld id="{7E6FC753-6D73-4C91-8964-5A03B3DDE2B6}" type="datetimeFigureOut">
               <a:rPr lang="ko-KR" altLang="en-US" smtClean="0"/>
-              <a:t>2022-07-05</a:t>
+              <a:t>2022-07-06</a:t>
             </a:fld>
             <a:endParaRPr lang="ko-KR" altLang="en-US"/>
           </a:p>
@@ -2375,7 +2375,7 @@
           <a:p>
             <a:fld id="{7E6FC753-6D73-4C91-8964-5A03B3DDE2B6}" type="datetimeFigureOut">
               <a:rPr lang="ko-KR" altLang="en-US" smtClean="0"/>
-              <a:t>2022-07-05</a:t>
+              <a:t>2022-07-06</a:t>
             </a:fld>
             <a:endParaRPr lang="ko-KR" altLang="en-US"/>
           </a:p>
@@ -2588,7 +2588,7 @@
           <a:p>
             <a:fld id="{7E6FC753-6D73-4C91-8964-5A03B3DDE2B6}" type="datetimeFigureOut">
               <a:rPr lang="ko-KR" altLang="en-US" smtClean="0"/>
-              <a:t>2022-07-05</a:t>
+              <a:t>2022-07-06</a:t>
             </a:fld>
             <a:endParaRPr lang="ko-KR" altLang="en-US"/>
           </a:p>
@@ -11183,8 +11183,8 @@
         </p:nvSpPr>
         <p:spPr>
           <a:xfrm>
-            <a:off x="189976" y="3905558"/>
-            <a:ext cx="1633069" cy="518560"/>
+            <a:off x="189977" y="3905558"/>
+            <a:ext cx="317100" cy="518560"/>
           </a:xfrm>
           <a:prstGeom prst="rect">
             <a:avLst/>
@@ -11233,7 +11233,7 @@
         </p:nvCxnSpPr>
         <p:spPr>
           <a:xfrm>
-            <a:off x="754862" y="4422535"/>
+            <a:off x="525683" y="4266578"/>
             <a:ext cx="278913" cy="631603"/>
           </a:xfrm>
           <a:prstGeom prst="straightConnector1">
@@ -11343,8 +11343,8 @@
         </p:nvSpPr>
         <p:spPr>
           <a:xfrm>
-            <a:off x="5383480" y="3905558"/>
-            <a:ext cx="6594462" cy="518560"/>
+            <a:off x="11554690" y="3905558"/>
+            <a:ext cx="423251" cy="518560"/>
           </a:xfrm>
           <a:prstGeom prst="rect">
             <a:avLst/>
@@ -11592,7 +11592,7 @@
         <p:spPr>
           <a:xfrm>
             <a:off x="302738" y="4898182"/>
-            <a:ext cx="1247393" cy="523220"/>
+            <a:ext cx="1155894" cy="523220"/>
           </a:xfrm>
           <a:prstGeom prst="rect">
             <a:avLst/>
@@ -11624,7 +11624,15 @@
                   <a:srgbClr val="FFC000"/>
                 </a:solidFill>
               </a:rPr>
-              <a:t>Arrow-white</a:t>
+              <a:t>Arrow-</a:t>
+            </a:r>
+            <a:r>
+              <a:rPr lang="en-US" altLang="ko-KR" sz="1400" b="1" dirty="0" err="1" smtClean="0">
+                <a:solidFill>
+                  <a:srgbClr val="FFC000"/>
+                </a:solidFill>
+              </a:rPr>
+              <a:t>prev</a:t>
             </a:r>
             <a:endParaRPr lang="en-US" altLang="ko-KR" sz="1400" b="1" dirty="0" smtClean="0">
               <a:solidFill>
@@ -11643,7 +11651,7 @@
         <p:spPr>
           <a:xfrm>
             <a:off x="1823045" y="3234891"/>
-            <a:ext cx="3555289" cy="2542448"/>
+            <a:ext cx="3555289" cy="1945451"/>
           </a:xfrm>
           <a:prstGeom prst="rect">
             <a:avLst/>
@@ -11677,6 +11685,93 @@
           <a:p>
             <a:pPr algn="ctr"/>
             <a:endParaRPr lang="ko-KR" altLang="en-US"/>
+          </a:p>
+        </p:txBody>
+      </p:sp>
+      <p:cxnSp>
+        <p:nvCxnSpPr>
+          <p:cNvPr id="33" name="직선 화살표 연결선 32"/>
+          <p:cNvCxnSpPr/>
+          <p:nvPr/>
+        </p:nvCxnSpPr>
+        <p:spPr>
+          <a:xfrm flipH="1">
+            <a:off x="11008874" y="4266576"/>
+            <a:ext cx="545816" cy="631605"/>
+          </a:xfrm>
+          <a:prstGeom prst="straightConnector1">
+            <a:avLst/>
+          </a:prstGeom>
+          <a:ln w="28575">
+            <a:solidFill>
+              <a:srgbClr val="FFC000"/>
+            </a:solidFill>
+            <a:tailEnd type="triangle"/>
+          </a:ln>
+        </p:spPr>
+        <p:style>
+          <a:lnRef idx="1">
+            <a:schemeClr val="accent1"/>
+          </a:lnRef>
+          <a:fillRef idx="0">
+            <a:schemeClr val="accent1"/>
+          </a:fillRef>
+          <a:effectRef idx="0">
+            <a:schemeClr val="accent1"/>
+          </a:effectRef>
+          <a:fontRef idx="minor">
+            <a:schemeClr val="tx1"/>
+          </a:fontRef>
+        </p:style>
+      </p:cxnSp>
+      <p:sp>
+        <p:nvSpPr>
+          <p:cNvPr id="35" name="TextBox 34"/>
+          <p:cNvSpPr txBox="1"/>
+          <p:nvPr/>
+        </p:nvSpPr>
+        <p:spPr>
+          <a:xfrm>
+            <a:off x="10507016" y="4898182"/>
+            <a:ext cx="1151982" cy="523220"/>
+          </a:xfrm>
+          <a:prstGeom prst="rect">
+            <a:avLst/>
+          </a:prstGeom>
+          <a:noFill/>
+          <a:ln>
+            <a:noFill/>
+          </a:ln>
+        </p:spPr>
+        <p:txBody>
+          <a:bodyPr wrap="none" rtlCol="0" anchor="ctr">
+            <a:spAutoFit/>
+          </a:bodyPr>
+          <a:lstStyle/>
+          <a:p>
+            <a:r>
+              <a:rPr lang="en-US" altLang="ko-KR" sz="1400" b="1" dirty="0" smtClean="0">
+                <a:solidFill>
+                  <a:srgbClr val="FFC000"/>
+                </a:solidFill>
+              </a:rPr>
+              <a:t>Common</a:t>
+            </a:r>
+          </a:p>
+          <a:p>
+            <a:r>
+              <a:rPr lang="en-US" altLang="ko-KR" sz="1400" b="1" dirty="0" smtClean="0">
+                <a:solidFill>
+                  <a:srgbClr val="FFC000"/>
+                </a:solidFill>
+              </a:rPr>
+              <a:t>Arrow-next</a:t>
+            </a:r>
+            <a:endParaRPr lang="en-US" altLang="ko-KR" sz="1400" b="1" dirty="0" smtClean="0">
+              <a:solidFill>
+                <a:srgbClr val="FFC000"/>
+              </a:solidFill>
+            </a:endParaRPr>
           </a:p>
         </p:txBody>
       </p:sp>
@@ -13729,21 +13824,8 @@
                   <a:srgbClr val="FFC000"/>
                 </a:solidFill>
               </a:rPr>
-              <a:t>Common </a:t>
+              <a:t>Common Main-arrow</a:t>
             </a:r>
-            <a:r>
-              <a:rPr lang="en-US" altLang="ko-KR" sz="1400" b="1" dirty="0" smtClean="0">
-                <a:solidFill>
-                  <a:srgbClr val="FFC000"/>
-                </a:solidFill>
-              </a:rPr>
-              <a:t>Main-arrow</a:t>
-            </a:r>
-            <a:endParaRPr lang="en-US" altLang="ko-KR" sz="1400" b="1" dirty="0" smtClean="0">
-              <a:solidFill>
-                <a:srgbClr val="FFC000"/>
-              </a:solidFill>
-            </a:endParaRPr>
           </a:p>
         </p:txBody>
       </p:sp>
